--- a/Coffee Glass Filling.pptx
+++ b/Coffee Glass Filling.pptx
@@ -291,7 +291,7 @@
           <a:p>
             <a:fld id="{BD355C43-E20E-4C7C-8C83-D962F412C484}" type="datetimeFigureOut">
               <a:rPr lang="en-US" smtClean="0"/>
-              <a:t>14-Apr-21</a:t>
+              <a:t>10-Sep-22</a:t>
             </a:fld>
             <a:endParaRPr lang="en-US"/>
           </a:p>
@@ -459,7 +459,7 @@
           <a:p>
             <a:fld id="{BD355C43-E20E-4C7C-8C83-D962F412C484}" type="datetimeFigureOut">
               <a:rPr lang="en-US" smtClean="0"/>
-              <a:t>14-Apr-21</a:t>
+              <a:t>10-Sep-22</a:t>
             </a:fld>
             <a:endParaRPr lang="en-US"/>
           </a:p>
@@ -637,7 +637,7 @@
           <a:p>
             <a:fld id="{BD355C43-E20E-4C7C-8C83-D962F412C484}" type="datetimeFigureOut">
               <a:rPr lang="en-US" smtClean="0"/>
-              <a:t>14-Apr-21</a:t>
+              <a:t>10-Sep-22</a:t>
             </a:fld>
             <a:endParaRPr lang="en-US"/>
           </a:p>
@@ -805,7 +805,7 @@
           <a:p>
             <a:fld id="{BD355C43-E20E-4C7C-8C83-D962F412C484}" type="datetimeFigureOut">
               <a:rPr lang="en-US" smtClean="0"/>
-              <a:t>14-Apr-21</a:t>
+              <a:t>10-Sep-22</a:t>
             </a:fld>
             <a:endParaRPr lang="en-US"/>
           </a:p>
@@ -1050,7 +1050,7 @@
           <a:p>
             <a:fld id="{BD355C43-E20E-4C7C-8C83-D962F412C484}" type="datetimeFigureOut">
               <a:rPr lang="en-US" smtClean="0"/>
-              <a:t>14-Apr-21</a:t>
+              <a:t>10-Sep-22</a:t>
             </a:fld>
             <a:endParaRPr lang="en-US"/>
           </a:p>
@@ -1335,7 +1335,7 @@
           <a:p>
             <a:fld id="{BD355C43-E20E-4C7C-8C83-D962F412C484}" type="datetimeFigureOut">
               <a:rPr lang="en-US" smtClean="0"/>
-              <a:t>14-Apr-21</a:t>
+              <a:t>10-Sep-22</a:t>
             </a:fld>
             <a:endParaRPr lang="en-US"/>
           </a:p>
@@ -1754,7 +1754,7 @@
           <a:p>
             <a:fld id="{BD355C43-E20E-4C7C-8C83-D962F412C484}" type="datetimeFigureOut">
               <a:rPr lang="en-US" smtClean="0"/>
-              <a:t>14-Apr-21</a:t>
+              <a:t>10-Sep-22</a:t>
             </a:fld>
             <a:endParaRPr lang="en-US"/>
           </a:p>
@@ -1871,7 +1871,7 @@
           <a:p>
             <a:fld id="{BD355C43-E20E-4C7C-8C83-D962F412C484}" type="datetimeFigureOut">
               <a:rPr lang="en-US" smtClean="0"/>
-              <a:t>14-Apr-21</a:t>
+              <a:t>10-Sep-22</a:t>
             </a:fld>
             <a:endParaRPr lang="en-US"/>
           </a:p>
@@ -1966,7 +1966,7 @@
           <a:p>
             <a:fld id="{BD355C43-E20E-4C7C-8C83-D962F412C484}" type="datetimeFigureOut">
               <a:rPr lang="en-US" smtClean="0"/>
-              <a:t>14-Apr-21</a:t>
+              <a:t>10-Sep-22</a:t>
             </a:fld>
             <a:endParaRPr lang="en-US"/>
           </a:p>
@@ -2241,7 +2241,7 @@
           <a:p>
             <a:fld id="{BD355C43-E20E-4C7C-8C83-D962F412C484}" type="datetimeFigureOut">
               <a:rPr lang="en-US" smtClean="0"/>
-              <a:t>14-Apr-21</a:t>
+              <a:t>10-Sep-22</a:t>
             </a:fld>
             <a:endParaRPr lang="en-US"/>
           </a:p>
@@ -2493,7 +2493,7 @@
           <a:p>
             <a:fld id="{BD355C43-E20E-4C7C-8C83-D962F412C484}" type="datetimeFigureOut">
               <a:rPr lang="en-US" smtClean="0"/>
-              <a:t>14-Apr-21</a:t>
+              <a:t>10-Sep-22</a:t>
             </a:fld>
             <a:endParaRPr lang="en-US"/>
           </a:p>
@@ -2704,7 +2704,7 @@
           <a:p>
             <a:fld id="{BD355C43-E20E-4C7C-8C83-D962F412C484}" type="datetimeFigureOut">
               <a:rPr lang="en-US" smtClean="0"/>
-              <a:t>14-Apr-21</a:t>
+              <a:t>10-Sep-22</a:t>
             </a:fld>
             <a:endParaRPr lang="en-US"/>
           </a:p>
@@ -11871,6 +11871,9 @@
         </p:sp>
       </p:grpSp>
     </p:spTree>
+    <p:custDataLst>
+      <p:tags r:id="rId1"/>
+    </p:custDataLst>
     <p:extLst>
       <p:ext uri="{BB962C8B-B14F-4D97-AF65-F5344CB8AC3E}">
         <p14:creationId xmlns:p14="http://schemas.microsoft.com/office/powerpoint/2010/main" val="580525607"/>
@@ -11880,6 +11883,14 @@
   <p:clrMapOvr>
     <a:masterClrMapping/>
   </p:clrMapOvr>
+  <mc:AlternateContent xmlns:mc="http://schemas.openxmlformats.org/markup-compatibility/2006">
+    <mc:Choice xmlns:p14="http://schemas.microsoft.com/office/powerpoint/2010/main" Requires="p14">
+      <p:transition spd="slow" p14:dur="2000" advTm="6278"/>
+    </mc:Choice>
+    <mc:Fallback>
+      <p:transition spd="slow" advTm="6278"/>
+    </mc:Fallback>
+  </mc:AlternateContent>
   <p:timing>
     <p:tnLst>
       <p:par>
@@ -11892,9 +11903,6 @@
                     <p:cTn id="3" fill="hold">
                       <p:stCondLst>
                         <p:cond delay="indefinite"/>
-                        <p:cond evt="onBegin" delay="0">
-                          <p:tn val="2"/>
-                        </p:cond>
                       </p:stCondLst>
                       <p:childTnLst>
                         <p:par>
@@ -11904,7 +11912,7 @@
                             </p:stCondLst>
                             <p:childTnLst>
                               <p:par>
-                                <p:cTn id="5" presetID="63" presetClass="path" presetSubtype="0" accel="50000" decel="50000" fill="hold" nodeType="withEffect">
+                                <p:cTn id="5" presetID="63" presetClass="path" presetSubtype="0" accel="50000" decel="50000" fill="hold" nodeType="clickEffect">
                                   <p:stCondLst>
                                     <p:cond delay="0"/>
                                   </p:stCondLst>
@@ -12134,6 +12142,12 @@
     </p:bldLst>
   </p:timing>
 </p:sld>
+</file>
+
+<file path=ppt/tags/tag1.xml><?xml version="1.0" encoding="utf-8"?>
+<p:tagLst xmlns:a="http://schemas.openxmlformats.org/drawingml/2006/main" xmlns:r="http://schemas.openxmlformats.org/officeDocument/2006/relationships" xmlns:p="http://schemas.openxmlformats.org/presentationml/2006/main">
+  <p:tag name="TIMING" val="|0.8"/>
+</p:tagLst>
 </file>
 
 <file path=ppt/theme/theme1.xml><?xml version="1.0" encoding="utf-8"?>
